--- a/BlockDiagram.pptx
+++ b/BlockDiagram.pptx
@@ -122,7 +122,7 @@
 <file path=ppt/revisionInfo.xml><?xml version="1.0" encoding="utf-8"?>
 <p1510:revInfo xmlns:a="http://schemas.openxmlformats.org/drawingml/2006/main" xmlns:r="http://schemas.openxmlformats.org/officeDocument/2006/relationships" xmlns:p1510="http://schemas.microsoft.com/office/powerpoint/2015/10/main">
   <p1510:revLst>
-    <p1510:client id="{3A65A724-4945-4A04-BB88-824B46D7B1D9}" v="48" dt="2020-02-09T16:48:07.068"/>
+    <p1510:client id="{3A65A724-4945-4A04-BB88-824B46D7B1D9}" v="54" dt="2020-02-15T14:50:50.769"/>
   </p1510:revLst>
 </p1510:revInfo>
 </file>
@@ -132,7 +132,7 @@
   <pc:docChgLst>
     <pc:chgData name="John Lonergan" userId="db8094ce4aaa691d" providerId="LiveId" clId="{3A65A724-4945-4A04-BB88-824B46D7B1D9}"/>
     <pc:docChg chg="undo custSel mod addSld delSld modSld sldOrd">
-      <pc:chgData name="John Lonergan" userId="db8094ce4aaa691d" providerId="LiveId" clId="{3A65A724-4945-4A04-BB88-824B46D7B1D9}" dt="2020-02-09T17:57:06.937" v="479" actId="1035"/>
+      <pc:chgData name="John Lonergan" userId="db8094ce4aaa691d" providerId="LiveId" clId="{3A65A724-4945-4A04-BB88-824B46D7B1D9}" dt="2020-02-15T14:52:03.300" v="1781" actId="20577"/>
       <pc:docMkLst>
         <pc:docMk/>
       </pc:docMkLst>
@@ -399,11 +399,19 @@
         </pc:picChg>
       </pc:sldChg>
       <pc:sldChg chg="addSp delSp modSp add modTransition">
-        <pc:chgData name="John Lonergan" userId="db8094ce4aaa691d" providerId="LiveId" clId="{3A65A724-4945-4A04-BB88-824B46D7B1D9}" dt="2020-02-09T03:20:22.983" v="358"/>
+        <pc:chgData name="John Lonergan" userId="db8094ce4aaa691d" providerId="LiveId" clId="{3A65A724-4945-4A04-BB88-824B46D7B1D9}" dt="2020-02-15T14:42:29.723" v="604" actId="21"/>
         <pc:sldMkLst>
           <pc:docMk/>
           <pc:sldMk cId="946176530" sldId="258"/>
         </pc:sldMkLst>
+        <pc:spChg chg="add del mod">
+          <ac:chgData name="John Lonergan" userId="db8094ce4aaa691d" providerId="LiveId" clId="{3A65A724-4945-4A04-BB88-824B46D7B1D9}" dt="2020-02-15T14:42:29.723" v="604" actId="21"/>
+          <ac:spMkLst>
+            <pc:docMk/>
+            <pc:sldMk cId="946176530" sldId="258"/>
+            <ac:spMk id="2" creationId="{083A2F4B-16EE-4B29-81B1-0B1E3B1F2B4E}"/>
+          </ac:spMkLst>
+        </pc:spChg>
         <pc:picChg chg="add del mod">
           <ac:chgData name="John Lonergan" userId="db8094ce4aaa691d" providerId="LiveId" clId="{3A65A724-4945-4A04-BB88-824B46D7B1D9}" dt="2020-02-09T03:17:11.590" v="292" actId="478"/>
           <ac:picMkLst>
@@ -429,8 +437,8 @@
           </ac:picMkLst>
         </pc:picChg>
       </pc:sldChg>
-      <pc:sldChg chg="addSp modSp add">
-        <pc:chgData name="John Lonergan" userId="db8094ce4aaa691d" providerId="LiveId" clId="{3A65A724-4945-4A04-BB88-824B46D7B1D9}" dt="2020-02-09T03:20:01.571" v="357" actId="1035"/>
+      <pc:sldChg chg="addSp delSp modSp add">
+        <pc:chgData name="John Lonergan" userId="db8094ce4aaa691d" providerId="LiveId" clId="{3A65A724-4945-4A04-BB88-824B46D7B1D9}" dt="2020-02-15T14:52:03.300" v="1781" actId="20577"/>
         <pc:sldMkLst>
           <pc:docMk/>
           <pc:sldMk cId="802353561" sldId="259"/>
@@ -452,23 +460,55 @@
           </ac:spMkLst>
         </pc:spChg>
         <pc:spChg chg="add mod">
-          <ac:chgData name="John Lonergan" userId="db8094ce4aaa691d" providerId="LiveId" clId="{3A65A724-4945-4A04-BB88-824B46D7B1D9}" dt="2020-02-09T03:19:13.482" v="337" actId="20577"/>
+          <ac:chgData name="John Lonergan" userId="db8094ce4aaa691d" providerId="LiveId" clId="{3A65A724-4945-4A04-BB88-824B46D7B1D9}" dt="2020-02-15T14:45:44.475" v="1062" actId="20577"/>
           <ac:spMkLst>
             <pc:docMk/>
             <pc:sldMk cId="802353561" sldId="259"/>
             <ac:spMk id="5" creationId="{245127C3-8F8D-4446-9032-CD6C40A8E9F4}"/>
           </ac:spMkLst>
         </pc:spChg>
-        <pc:spChg chg="add mod">
-          <ac:chgData name="John Lonergan" userId="db8094ce4aaa691d" providerId="LiveId" clId="{3A65A724-4945-4A04-BB88-824B46D7B1D9}" dt="2020-02-09T03:19:49.603" v="356" actId="1076"/>
+        <pc:spChg chg="add del mod">
+          <ac:chgData name="John Lonergan" userId="db8094ce4aaa691d" providerId="LiveId" clId="{3A65A724-4945-4A04-BB88-824B46D7B1D9}" dt="2020-02-15T14:46:09.740" v="1071" actId="478"/>
           <ac:spMkLst>
             <pc:docMk/>
             <pc:sldMk cId="802353561" sldId="259"/>
             <ac:spMk id="6" creationId="{35C01110-3CF7-4CDE-AB98-DF16683BD55F}"/>
           </ac:spMkLst>
         </pc:spChg>
+        <pc:spChg chg="add mod">
+          <ac:chgData name="John Lonergan" userId="db8094ce4aaa691d" providerId="LiveId" clId="{3A65A724-4945-4A04-BB88-824B46D7B1D9}" dt="2020-02-15T14:51:05.262" v="1699" actId="20577"/>
+          <ac:spMkLst>
+            <pc:docMk/>
+            <pc:sldMk cId="802353561" sldId="259"/>
+            <ac:spMk id="7" creationId="{9D0E40E1-83AA-4B7F-8163-90137E41A6C9}"/>
+          </ac:spMkLst>
+        </pc:spChg>
+        <pc:spChg chg="add mod">
+          <ac:chgData name="John Lonergan" userId="db8094ce4aaa691d" providerId="LiveId" clId="{3A65A724-4945-4A04-BB88-824B46D7B1D9}" dt="2020-02-15T14:44:49.939" v="956" actId="20577"/>
+          <ac:spMkLst>
+            <pc:docMk/>
+            <pc:sldMk cId="802353561" sldId="259"/>
+            <ac:spMk id="8" creationId="{8B1BCB80-7B52-4DC4-A861-208BC1C68B54}"/>
+          </ac:spMkLst>
+        </pc:spChg>
+        <pc:spChg chg="add mod">
+          <ac:chgData name="John Lonergan" userId="db8094ce4aaa691d" providerId="LiveId" clId="{3A65A724-4945-4A04-BB88-824B46D7B1D9}" dt="2020-02-15T14:47:09.148" v="1223" actId="20577"/>
+          <ac:spMkLst>
+            <pc:docMk/>
+            <pc:sldMk cId="802353561" sldId="259"/>
+            <ac:spMk id="9" creationId="{2E63A53E-CC11-456A-99B4-597ACA5DD2E2}"/>
+          </ac:spMkLst>
+        </pc:spChg>
+        <pc:spChg chg="add mod">
+          <ac:chgData name="John Lonergan" userId="db8094ce4aaa691d" providerId="LiveId" clId="{3A65A724-4945-4A04-BB88-824B46D7B1D9}" dt="2020-02-15T14:52:03.300" v="1781" actId="20577"/>
+          <ac:spMkLst>
+            <pc:docMk/>
+            <pc:sldMk cId="802353561" sldId="259"/>
+            <ac:spMk id="10" creationId="{DAD755FF-3D50-489A-A716-26D913C5AB70}"/>
+          </ac:spMkLst>
+        </pc:spChg>
         <pc:picChg chg="mod">
-          <ac:chgData name="John Lonergan" userId="db8094ce4aaa691d" providerId="LiveId" clId="{3A65A724-4945-4A04-BB88-824B46D7B1D9}" dt="2020-02-09T03:20:01.571" v="357" actId="1035"/>
+          <ac:chgData name="John Lonergan" userId="db8094ce4aaa691d" providerId="LiveId" clId="{3A65A724-4945-4A04-BB88-824B46D7B1D9}" dt="2020-02-15T14:51:09.252" v="1701" actId="1076"/>
           <ac:picMkLst>
             <pc:docMk/>
             <pc:sldMk cId="802353561" sldId="259"/>
@@ -816,7 +856,7 @@
           <a:p>
             <a:fld id="{6108F8CE-62D0-40F6-BED3-562214F12965}" type="datetimeFigureOut">
               <a:rPr lang="en-GB" smtClean="0"/>
-              <a:t>09/02/2020</a:t>
+              <a:t>15/02/2020</a:t>
             </a:fld>
             <a:endParaRPr lang="en-GB"/>
           </a:p>
@@ -1016,7 +1056,7 @@
           <a:p>
             <a:fld id="{6108F8CE-62D0-40F6-BED3-562214F12965}" type="datetimeFigureOut">
               <a:rPr lang="en-GB" smtClean="0"/>
-              <a:t>09/02/2020</a:t>
+              <a:t>15/02/2020</a:t>
             </a:fld>
             <a:endParaRPr lang="en-GB"/>
           </a:p>
@@ -1226,7 +1266,7 @@
           <a:p>
             <a:fld id="{6108F8CE-62D0-40F6-BED3-562214F12965}" type="datetimeFigureOut">
               <a:rPr lang="en-GB" smtClean="0"/>
-              <a:t>09/02/2020</a:t>
+              <a:t>15/02/2020</a:t>
             </a:fld>
             <a:endParaRPr lang="en-GB"/>
           </a:p>
@@ -1426,7 +1466,7 @@
           <a:p>
             <a:fld id="{6108F8CE-62D0-40F6-BED3-562214F12965}" type="datetimeFigureOut">
               <a:rPr lang="en-GB" smtClean="0"/>
-              <a:t>09/02/2020</a:t>
+              <a:t>15/02/2020</a:t>
             </a:fld>
             <a:endParaRPr lang="en-GB"/>
           </a:p>
@@ -1702,7 +1742,7 @@
           <a:p>
             <a:fld id="{6108F8CE-62D0-40F6-BED3-562214F12965}" type="datetimeFigureOut">
               <a:rPr lang="en-GB" smtClean="0"/>
-              <a:t>09/02/2020</a:t>
+              <a:t>15/02/2020</a:t>
             </a:fld>
             <a:endParaRPr lang="en-GB"/>
           </a:p>
@@ -1970,7 +2010,7 @@
           <a:p>
             <a:fld id="{6108F8CE-62D0-40F6-BED3-562214F12965}" type="datetimeFigureOut">
               <a:rPr lang="en-GB" smtClean="0"/>
-              <a:t>09/02/2020</a:t>
+              <a:t>15/02/2020</a:t>
             </a:fld>
             <a:endParaRPr lang="en-GB"/>
           </a:p>
@@ -2385,7 +2425,7 @@
           <a:p>
             <a:fld id="{6108F8CE-62D0-40F6-BED3-562214F12965}" type="datetimeFigureOut">
               <a:rPr lang="en-GB" smtClean="0"/>
-              <a:t>09/02/2020</a:t>
+              <a:t>15/02/2020</a:t>
             </a:fld>
             <a:endParaRPr lang="en-GB"/>
           </a:p>
@@ -2527,7 +2567,7 @@
           <a:p>
             <a:fld id="{6108F8CE-62D0-40F6-BED3-562214F12965}" type="datetimeFigureOut">
               <a:rPr lang="en-GB" smtClean="0"/>
-              <a:t>09/02/2020</a:t>
+              <a:t>15/02/2020</a:t>
             </a:fld>
             <a:endParaRPr lang="en-GB"/>
           </a:p>
@@ -2640,7 +2680,7 @@
           <a:p>
             <a:fld id="{6108F8CE-62D0-40F6-BED3-562214F12965}" type="datetimeFigureOut">
               <a:rPr lang="en-GB" smtClean="0"/>
-              <a:t>09/02/2020</a:t>
+              <a:t>15/02/2020</a:t>
             </a:fld>
             <a:endParaRPr lang="en-GB"/>
           </a:p>
@@ -2953,7 +2993,7 @@
           <a:p>
             <a:fld id="{6108F8CE-62D0-40F6-BED3-562214F12965}" type="datetimeFigureOut">
               <a:rPr lang="en-GB" smtClean="0"/>
-              <a:t>09/02/2020</a:t>
+              <a:t>15/02/2020</a:t>
             </a:fld>
             <a:endParaRPr lang="en-GB"/>
           </a:p>
@@ -3242,7 +3282,7 @@
           <a:p>
             <a:fld id="{6108F8CE-62D0-40F6-BED3-562214F12965}" type="datetimeFigureOut">
               <a:rPr lang="en-GB" smtClean="0"/>
-              <a:t>09/02/2020</a:t>
+              <a:t>15/02/2020</a:t>
             </a:fld>
             <a:endParaRPr lang="en-GB"/>
           </a:p>
@@ -3485,7 +3525,7 @@
           <a:p>
             <a:fld id="{6108F8CE-62D0-40F6-BED3-562214F12965}" type="datetimeFigureOut">
               <a:rPr lang="en-GB" smtClean="0"/>
-              <a:t>09/02/2020</a:t>
+              <a:t>15/02/2020</a:t>
             </a:fld>
             <a:endParaRPr lang="en-GB"/>
           </a:p>
@@ -5174,7 +5214,7 @@
         </p:blipFill>
         <p:spPr>
           <a:xfrm>
-            <a:off x="0" y="-3810"/>
+            <a:off x="0" y="-84831"/>
             <a:ext cx="12192000" cy="6858000"/>
           </a:xfrm>
           <a:prstGeom prst="rect">
@@ -5266,8 +5306,8 @@
         </p:nvSpPr>
         <p:spPr>
           <a:xfrm>
-            <a:off x="2632710" y="2794516"/>
-            <a:ext cx="1116330" cy="369332"/>
+            <a:off x="517001" y="1998329"/>
+            <a:ext cx="2187615" cy="923330"/>
           </a:xfrm>
           <a:prstGeom prst="rect">
             <a:avLst/>
@@ -5282,17 +5322,23 @@
           <a:p>
             <a:r>
               <a:rPr lang="en-GB" dirty="0"/>
-              <a:t>TEST PIN</a:t>
-            </a:r>
-          </a:p>
-        </p:txBody>
-      </p:sp>
-      <p:sp>
-        <p:nvSpPr>
-          <p:cNvPr id="6" name="TextBox 5">
-            <a:extLst>
-              <a:ext uri="{FF2B5EF4-FFF2-40B4-BE49-F238E27FC236}">
-                <a16:creationId xmlns:a16="http://schemas.microsoft.com/office/drawing/2014/main" id="{35C01110-3CF7-4CDE-AB98-DF16683BD55F}"/>
+              <a:t>TEST PIN – tp14</a:t>
+            </a:r>
+          </a:p>
+          <a:p>
+            <a:r>
+              <a:rPr lang="en-GB" dirty="0"/>
+              <a:t>Is connected directly to the ZIF socket</a:t>
+            </a:r>
+          </a:p>
+        </p:txBody>
+      </p:sp>
+      <p:sp>
+        <p:nvSpPr>
+          <p:cNvPr id="7" name="TextBox 6">
+            <a:extLst>
+              <a:ext uri="{FF2B5EF4-FFF2-40B4-BE49-F238E27FC236}">
+                <a16:creationId xmlns:a16="http://schemas.microsoft.com/office/drawing/2014/main" id="{9D0E40E1-83AA-4B7F-8163-90137E41A6C9}"/>
               </a:ext>
             </a:extLst>
           </p:cNvPr>
@@ -5301,8 +5347,8 @@
         </p:nvSpPr>
         <p:spPr>
           <a:xfrm>
-            <a:off x="7200900" y="2979182"/>
-            <a:ext cx="1539240" cy="369332"/>
+            <a:off x="2322653" y="3554752"/>
+            <a:ext cx="6014977" cy="1200329"/>
           </a:xfrm>
           <a:prstGeom prst="rect">
             <a:avLst/>
@@ -5317,7 +5363,164 @@
           <a:p>
             <a:r>
               <a:rPr lang="en-GB" dirty="0"/>
-              <a:t>GPIO PIN PAIR</a:t>
+              <a:t>GPIO-H is activated only ever as an output and is used to drive tp14 with a weak pull-up or weak-pull down. </a:t>
+            </a:r>
+            <a:br>
+              <a:rPr lang="en-GB" dirty="0"/>
+            </a:br>
+            <a:r>
+              <a:rPr lang="en-GB" dirty="0"/>
+              <a:t>During sensing of tp14 this allows us to positively distinguish a 1 or 0 state from a high-Z output.</a:t>
+            </a:r>
+          </a:p>
+        </p:txBody>
+      </p:sp>
+      <p:sp>
+        <p:nvSpPr>
+          <p:cNvPr id="8" name="TextBox 7">
+            <a:extLst>
+              <a:ext uri="{FF2B5EF4-FFF2-40B4-BE49-F238E27FC236}">
+                <a16:creationId xmlns:a16="http://schemas.microsoft.com/office/drawing/2014/main" id="{8B1BCB80-7B52-4DC4-A861-208BC1C68B54}"/>
+              </a:ext>
+            </a:extLst>
+          </p:cNvPr>
+          <p:cNvSpPr txBox="1"/>
+          <p:nvPr/>
+        </p:nvSpPr>
+        <p:spPr>
+          <a:xfrm>
+            <a:off x="3076937" y="425856"/>
+            <a:ext cx="4695464" cy="1200329"/>
+          </a:xfrm>
+          <a:prstGeom prst="rect">
+            <a:avLst/>
+          </a:prstGeom>
+          <a:noFill/>
+        </p:spPr>
+        <p:txBody>
+          <a:bodyPr wrap="square" rtlCol="0">
+            <a:spAutoFit/>
+          </a:bodyPr>
+          <a:lstStyle/>
+          <a:p>
+            <a:r>
+              <a:rPr lang="en-GB" dirty="0"/>
+              <a:t>GPIO-L is activated as an output when tp14 is an input to the test chip is </a:t>
+            </a:r>
+            <a:r>
+              <a:rPr lang="en-GB" dirty="0" err="1"/>
+              <a:t>Vcc</a:t>
+            </a:r>
+            <a:r>
+              <a:rPr lang="en-GB" dirty="0"/>
+              <a:t>/Gnd.</a:t>
+            </a:r>
+          </a:p>
+          <a:p>
+            <a:r>
+              <a:rPr lang="en-GB" dirty="0"/>
+              <a:t>Is activated as an input when sensing the value of tp14 when the test chip pin is an output.</a:t>
+            </a:r>
+          </a:p>
+        </p:txBody>
+      </p:sp>
+      <p:sp>
+        <p:nvSpPr>
+          <p:cNvPr id="9" name="TextBox 8">
+            <a:extLst>
+              <a:ext uri="{FF2B5EF4-FFF2-40B4-BE49-F238E27FC236}">
+                <a16:creationId xmlns:a16="http://schemas.microsoft.com/office/drawing/2014/main" id="{2E63A53E-CC11-456A-99B4-597ACA5DD2E2}"/>
+              </a:ext>
+            </a:extLst>
+          </p:cNvPr>
+          <p:cNvSpPr txBox="1"/>
+          <p:nvPr/>
+        </p:nvSpPr>
+        <p:spPr>
+          <a:xfrm>
+            <a:off x="8841128" y="1734040"/>
+            <a:ext cx="2187615" cy="2031325"/>
+          </a:xfrm>
+          <a:prstGeom prst="rect">
+            <a:avLst/>
+          </a:prstGeom>
+          <a:noFill/>
+        </p:spPr>
+        <p:txBody>
+          <a:bodyPr wrap="square" rtlCol="0">
+            <a:spAutoFit/>
+          </a:bodyPr>
+          <a:lstStyle/>
+          <a:p>
+            <a:r>
+              <a:rPr lang="en-GB" dirty="0"/>
+              <a:t>TEST PIN PAIR</a:t>
+            </a:r>
+          </a:p>
+          <a:p>
+            <a:r>
+              <a:rPr lang="en-GB" dirty="0"/>
+              <a:t>D2 and D3 are dedicated to tp14, to drive a 1/0/</a:t>
+            </a:r>
+            <a:r>
+              <a:rPr lang="en-GB" dirty="0" err="1"/>
+              <a:t>Vcc</a:t>
+            </a:r>
+            <a:r>
+              <a:rPr lang="en-GB" dirty="0"/>
+              <a:t>/</a:t>
+            </a:r>
+            <a:r>
+              <a:rPr lang="en-GB" dirty="0" err="1"/>
+              <a:t>Gnd</a:t>
+            </a:r>
+            <a:r>
+              <a:rPr lang="en-GB" dirty="0"/>
+              <a:t> inputs or to sense 1/0/Z outputs of the test chip..</a:t>
+            </a:r>
+          </a:p>
+        </p:txBody>
+      </p:sp>
+      <p:sp>
+        <p:nvSpPr>
+          <p:cNvPr id="10" name="TextBox 9">
+            <a:extLst>
+              <a:ext uri="{FF2B5EF4-FFF2-40B4-BE49-F238E27FC236}">
+                <a16:creationId xmlns:a16="http://schemas.microsoft.com/office/drawing/2014/main" id="{DAD755FF-3D50-489A-A716-26D913C5AB70}"/>
+              </a:ext>
+            </a:extLst>
+          </p:cNvPr>
+          <p:cNvSpPr txBox="1"/>
+          <p:nvPr/>
+        </p:nvSpPr>
+        <p:spPr>
+          <a:xfrm>
+            <a:off x="1020501" y="4989750"/>
+            <a:ext cx="9354274" cy="1477328"/>
+          </a:xfrm>
+          <a:prstGeom prst="rect">
+            <a:avLst/>
+          </a:prstGeom>
+          <a:noFill/>
+        </p:spPr>
+        <p:txBody>
+          <a:bodyPr wrap="square" rtlCol="0">
+            <a:spAutoFit/>
+          </a:bodyPr>
+          <a:lstStyle/>
+          <a:p>
+            <a:r>
+              <a:rPr lang="en-GB" dirty="0"/>
+              <a:t>The ability to detect unoccupied ZIF socket pins makes this IC tester immune from spurious state readings that occur to capacitance and electrical noise.</a:t>
+            </a:r>
+          </a:p>
+          <a:p>
+            <a:endParaRPr lang="en-GB" dirty="0"/>
+          </a:p>
+          <a:p>
+            <a:r>
+              <a:rPr lang="en-GB" dirty="0"/>
+              <a:t>Most other IC testers are unable to reliably detect vacant ZIF socket pins so my approach here thoroughly checks the state of all ZIF pins not just those that are occupied by the test chip.</a:t>
             </a:r>
           </a:p>
         </p:txBody>
